--- a/外部設計/画面設計書/login/ログイン２.pptx
+++ b/外部設計/画面設計書/login/ログイン２.pptx
@@ -253,7 +253,7 @@
           <a:p>
             <a:fld id="{2395C5C9-164C-46B3-A87E-7660D39D3106}" type="datetime2">
               <a:rPr lang="en-US" smtClean="0"/>
-              <a:t>Wednesday, June 7, 2023</a:t>
+              <a:t>Tuesday, June 13, 2023</a:t>
             </a:fld>
             <a:endParaRPr lang="en-US" dirty="0"/>
           </a:p>
@@ -456,7 +456,7 @@
           <a:p>
             <a:fld id="{5B75179A-1E2B-41AB-B400-4F1B4022FAEE}" type="datetime2">
               <a:rPr lang="en-US" smtClean="0"/>
-              <a:t>Wednesday, June 7, 2023</a:t>
+              <a:t>Tuesday, June 13, 2023</a:t>
             </a:fld>
             <a:endParaRPr lang="en-US"/>
           </a:p>
@@ -669,7 +669,7 @@
           <a:p>
             <a:fld id="{05681D0F-6595-4F14-8EF3-954CD87C797B}" type="datetime2">
               <a:rPr lang="en-US" smtClean="0"/>
-              <a:t>Wednesday, June 7, 2023</a:t>
+              <a:t>Tuesday, June 13, 2023</a:t>
             </a:fld>
             <a:endParaRPr lang="en-US"/>
           </a:p>
@@ -871,7 +871,7 @@
           <a:p>
             <a:fld id="{4DDCFF8A-AAF8-4A12-8A91-9CA0EAF6CBB9}" type="datetime2">
               <a:rPr lang="en-US" smtClean="0"/>
-              <a:t>Wednesday, June 7, 2023</a:t>
+              <a:t>Tuesday, June 13, 2023</a:t>
             </a:fld>
             <a:endParaRPr lang="en-US" dirty="0"/>
           </a:p>
@@ -1150,7 +1150,7 @@
           <a:p>
             <a:fld id="{ABCC25C3-021A-4B0B-8F70-0C181FE1CF45}" type="datetime2">
               <a:rPr lang="en-US" smtClean="0"/>
-              <a:t>Wednesday, June 7, 2023</a:t>
+              <a:t>Tuesday, June 13, 2023</a:t>
             </a:fld>
             <a:endParaRPr lang="en-US"/>
           </a:p>
@@ -1410,7 +1410,7 @@
           <a:p>
             <a:fld id="{0C23D88D-8CEC-4ED9-A53B-5596187D9A16}" type="datetime2">
               <a:rPr lang="en-US" smtClean="0"/>
-              <a:t>Wednesday, June 7, 2023</a:t>
+              <a:t>Tuesday, June 13, 2023</a:t>
             </a:fld>
             <a:endParaRPr lang="en-US"/>
           </a:p>
@@ -1826,7 +1826,7 @@
           <a:p>
             <a:fld id="{D2CCD382-DFDA-4722-A27A-59C21AD112F2}" type="datetime2">
               <a:rPr lang="en-US" smtClean="0"/>
-              <a:t>Wednesday, June 7, 2023</a:t>
+              <a:t>Tuesday, June 13, 2023</a:t>
             </a:fld>
             <a:endParaRPr lang="en-US"/>
           </a:p>
@@ -1971,7 +1971,7 @@
           <a:p>
             <a:fld id="{22F2A30D-1C09-413F-AAB1-38F366000715}" type="datetime2">
               <a:rPr lang="en-US" smtClean="0"/>
-              <a:t>Wednesday, June 7, 2023</a:t>
+              <a:t>Tuesday, June 13, 2023</a:t>
             </a:fld>
             <a:endParaRPr lang="en-US"/>
           </a:p>
@@ -2093,7 +2093,7 @@
           <a:p>
             <a:fld id="{6DB82B9C-D65E-4F64-95C3-B10F3B00F0D9}" type="datetime2">
               <a:rPr lang="en-US" smtClean="0"/>
-              <a:t>Wednesday, June 7, 2023</a:t>
+              <a:t>Tuesday, June 13, 2023</a:t>
             </a:fld>
             <a:endParaRPr lang="en-US"/>
           </a:p>
@@ -2416,7 +2416,7 @@
           <a:p>
             <a:fld id="{B7F5FDCC-6AAC-4A08-B9E0-3793AB5E64C3}" type="datetime2">
               <a:rPr lang="en-US" smtClean="0"/>
-              <a:t>Wednesday, June 7, 2023</a:t>
+              <a:t>Tuesday, June 13, 2023</a:t>
             </a:fld>
             <a:endParaRPr lang="en-US"/>
           </a:p>
@@ -2704,7 +2704,7 @@
           <a:p>
             <a:fld id="{349FE94D-439C-40F1-900E-BC07940E3988}" type="datetime2">
               <a:rPr lang="en-US" smtClean="0"/>
-              <a:t>Wednesday, June 7, 2023</a:t>
+              <a:t>Tuesday, June 13, 2023</a:t>
             </a:fld>
             <a:endParaRPr lang="en-US"/>
           </a:p>
@@ -2988,7 +2988,7 @@
           <a:p>
             <a:fld id="{8DEA2CF1-0EB2-4673-802D-3371233E4A77}" type="datetime2">
               <a:rPr lang="en-US" smtClean="0"/>
-              <a:t>Wednesday, June 7, 2023</a:t>
+              <a:t>Tuesday, June 13, 2023</a:t>
             </a:fld>
             <a:endParaRPr lang="en-US" dirty="0"/>
           </a:p>
